--- a/BlockchainINSupplyChains.pptx
+++ b/BlockchainINSupplyChains.pptx
@@ -5,10 +5,10 @@
     <p:sldMasterId id="2147483648" r:id="rId4"/>
   </p:sldMasterIdLst>
   <p:notesMasterIdLst>
-    <p:notesMasterId r:id="rId15"/>
+    <p:notesMasterId r:id="rId17"/>
   </p:notesMasterIdLst>
   <p:handoutMasterIdLst>
-    <p:handoutMasterId r:id="rId16"/>
+    <p:handoutMasterId r:id="rId18"/>
   </p:handoutMasterIdLst>
   <p:sldIdLst>
     <p:sldId id="256" r:id="rId5"/>
@@ -16,11 +16,13 @@
     <p:sldId id="268" r:id="rId7"/>
     <p:sldId id="261" r:id="rId8"/>
     <p:sldId id="269" r:id="rId9"/>
-    <p:sldId id="271" r:id="rId10"/>
-    <p:sldId id="264" r:id="rId11"/>
-    <p:sldId id="270" r:id="rId12"/>
-    <p:sldId id="265" r:id="rId13"/>
-    <p:sldId id="267" r:id="rId14"/>
+    <p:sldId id="272" r:id="rId10"/>
+    <p:sldId id="271" r:id="rId11"/>
+    <p:sldId id="264" r:id="rId12"/>
+    <p:sldId id="270" r:id="rId13"/>
+    <p:sldId id="265" r:id="rId14"/>
+    <p:sldId id="273" r:id="rId15"/>
+    <p:sldId id="267" r:id="rId16"/>
   </p:sldIdLst>
   <p:sldSz cx="12192000" cy="6858000"/>
   <p:notesSz cx="6858000" cy="9144000"/>
@@ -235,7 +237,7 @@
           <a:p>
             <a:fld id="{C9249263-8DF9-4907-970E-1CFD040DC73A}" type="datetimeFigureOut">
               <a:rPr lang="en-US" smtClean="0"/>
-              <a:t>3/11/2021</a:t>
+              <a:t>3/12/2021</a:t>
             </a:fld>
             <a:endParaRPr lang="en-US" dirty="0"/>
           </a:p>
@@ -412,7 +414,7 @@
           <a:p>
             <a:fld id="{3C70B412-7BFF-46C7-AB5E-DE35F66C9933}" type="datetimeFigureOut">
               <a:rPr lang="en-US" noProof="0" smtClean="0"/>
-              <a:t>3/11/2021</a:t>
+              <a:t>3/12/2021</a:t>
             </a:fld>
             <a:endParaRPr lang="en-US" noProof="0" dirty="0"/>
           </a:p>
@@ -837,6 +839,174 @@
     </p:spTree>
     <p:extLst>
       <p:ext uri="{BB962C8B-B14F-4D97-AF65-F5344CB8AC3E}">
+        <p14:creationId xmlns:p14="http://schemas.microsoft.com/office/powerpoint/2010/main" val="2641197936"/>
+      </p:ext>
+    </p:extLst>
+  </p:cSld>
+  <p:clrMapOvr>
+    <a:masterClrMapping/>
+  </p:clrMapOvr>
+</p:notes>
+</file>
+
+<file path=ppt/notesSlides/notesSlide11.xml><?xml version="1.0" encoding="utf-8"?>
+<p:notes xmlns:a="http://schemas.openxmlformats.org/drawingml/2006/main" xmlns:r="http://schemas.openxmlformats.org/officeDocument/2006/relationships" xmlns:p="http://schemas.openxmlformats.org/presentationml/2006/main">
+  <p:cSld>
+    <p:spTree>
+      <p:nvGrpSpPr>
+        <p:cNvPr id="1" name=""/>
+        <p:cNvGrpSpPr/>
+        <p:nvPr/>
+      </p:nvGrpSpPr>
+      <p:grpSpPr>
+        <a:xfrm>
+          <a:off x="0" y="0"/>
+          <a:ext cx="0" cy="0"/>
+          <a:chOff x="0" y="0"/>
+          <a:chExt cx="0" cy="0"/>
+        </a:xfrm>
+      </p:grpSpPr>
+      <p:sp>
+        <p:nvSpPr>
+          <p:cNvPr id="2" name="Slide Image Placeholder 1"/>
+          <p:cNvSpPr>
+            <a:spLocks noGrp="1" noRot="1" noChangeAspect="1"/>
+          </p:cNvSpPr>
+          <p:nvPr>
+            <p:ph type="sldImg"/>
+          </p:nvPr>
+        </p:nvSpPr>
+        <p:spPr/>
+      </p:sp>
+      <p:sp>
+        <p:nvSpPr>
+          <p:cNvPr id="3" name="Notes Placeholder 2"/>
+          <p:cNvSpPr>
+            <a:spLocks noGrp="1"/>
+          </p:cNvSpPr>
+          <p:nvPr>
+            <p:ph type="body" idx="1"/>
+          </p:nvPr>
+        </p:nvSpPr>
+        <p:spPr/>
+        <p:txBody>
+          <a:bodyPr/>
+          <a:lstStyle/>
+          <a:p>
+            <a:endParaRPr lang="en-US"/>
+          </a:p>
+        </p:txBody>
+      </p:sp>
+      <p:sp>
+        <p:nvSpPr>
+          <p:cNvPr id="4" name="Slide Number Placeholder 3"/>
+          <p:cNvSpPr>
+            <a:spLocks noGrp="1"/>
+          </p:cNvSpPr>
+          <p:nvPr>
+            <p:ph type="sldNum" sz="quarter" idx="5"/>
+          </p:nvPr>
+        </p:nvSpPr>
+        <p:spPr/>
+        <p:txBody>
+          <a:bodyPr/>
+          <a:lstStyle/>
+          <a:p>
+            <a:fld id="{385ACE04-E13C-4837-B6DD-B388E7CAA05E}" type="slidenum">
+              <a:rPr lang="en-US" noProof="0" smtClean="0"/>
+              <a:t>11</a:t>
+            </a:fld>
+            <a:endParaRPr lang="en-US" noProof="0" dirty="0"/>
+          </a:p>
+        </p:txBody>
+      </p:sp>
+    </p:spTree>
+    <p:extLst>
+      <p:ext uri="{BB962C8B-B14F-4D97-AF65-F5344CB8AC3E}">
+        <p14:creationId xmlns:p14="http://schemas.microsoft.com/office/powerpoint/2010/main" val="1621448274"/>
+      </p:ext>
+    </p:extLst>
+  </p:cSld>
+  <p:clrMapOvr>
+    <a:masterClrMapping/>
+  </p:clrMapOvr>
+</p:notes>
+</file>
+
+<file path=ppt/notesSlides/notesSlide12.xml><?xml version="1.0" encoding="utf-8"?>
+<p:notes xmlns:a="http://schemas.openxmlformats.org/drawingml/2006/main" xmlns:r="http://schemas.openxmlformats.org/officeDocument/2006/relationships" xmlns:p="http://schemas.openxmlformats.org/presentationml/2006/main">
+  <p:cSld>
+    <p:spTree>
+      <p:nvGrpSpPr>
+        <p:cNvPr id="1" name=""/>
+        <p:cNvGrpSpPr/>
+        <p:nvPr/>
+      </p:nvGrpSpPr>
+      <p:grpSpPr>
+        <a:xfrm>
+          <a:off x="0" y="0"/>
+          <a:ext cx="0" cy="0"/>
+          <a:chOff x="0" y="0"/>
+          <a:chExt cx="0" cy="0"/>
+        </a:xfrm>
+      </p:grpSpPr>
+      <p:sp>
+        <p:nvSpPr>
+          <p:cNvPr id="2" name="Slide Image Placeholder 1"/>
+          <p:cNvSpPr>
+            <a:spLocks noGrp="1" noRot="1" noChangeAspect="1"/>
+          </p:cNvSpPr>
+          <p:nvPr>
+            <p:ph type="sldImg"/>
+          </p:nvPr>
+        </p:nvSpPr>
+        <p:spPr/>
+      </p:sp>
+      <p:sp>
+        <p:nvSpPr>
+          <p:cNvPr id="3" name="Notes Placeholder 2"/>
+          <p:cNvSpPr>
+            <a:spLocks noGrp="1"/>
+          </p:cNvSpPr>
+          <p:nvPr>
+            <p:ph type="body" idx="1"/>
+          </p:nvPr>
+        </p:nvSpPr>
+        <p:spPr/>
+        <p:txBody>
+          <a:bodyPr/>
+          <a:lstStyle/>
+          <a:p>
+            <a:endParaRPr lang="en-US"/>
+          </a:p>
+        </p:txBody>
+      </p:sp>
+      <p:sp>
+        <p:nvSpPr>
+          <p:cNvPr id="4" name="Slide Number Placeholder 3"/>
+          <p:cNvSpPr>
+            <a:spLocks noGrp="1"/>
+          </p:cNvSpPr>
+          <p:nvPr>
+            <p:ph type="sldNum" sz="quarter" idx="5"/>
+          </p:nvPr>
+        </p:nvSpPr>
+        <p:spPr/>
+        <p:txBody>
+          <a:bodyPr/>
+          <a:lstStyle/>
+          <a:p>
+            <a:fld id="{385ACE04-E13C-4837-B6DD-B388E7CAA05E}" type="slidenum">
+              <a:rPr lang="en-US" noProof="0" smtClean="0"/>
+              <a:t>12</a:t>
+            </a:fld>
+            <a:endParaRPr lang="en-US" noProof="0" dirty="0"/>
+          </a:p>
+        </p:txBody>
+      </p:sp>
+    </p:spTree>
+    <p:extLst>
+      <p:ext uri="{BB962C8B-B14F-4D97-AF65-F5344CB8AC3E}">
         <p14:creationId xmlns:p14="http://schemas.microsoft.com/office/powerpoint/2010/main" val="2086660188"/>
       </p:ext>
     </p:extLst>
@@ -1257,7 +1427,7 @@
     </p:spTree>
     <p:extLst>
       <p:ext uri="{BB962C8B-B14F-4D97-AF65-F5344CB8AC3E}">
-        <p14:creationId xmlns:p14="http://schemas.microsoft.com/office/powerpoint/2010/main" val="3607536167"/>
+        <p14:creationId xmlns:p14="http://schemas.microsoft.com/office/powerpoint/2010/main" val="606464250"/>
       </p:ext>
     </p:extLst>
   </p:cSld>
@@ -1341,7 +1511,7 @@
     </p:spTree>
     <p:extLst>
       <p:ext uri="{BB962C8B-B14F-4D97-AF65-F5344CB8AC3E}">
-        <p14:creationId xmlns:p14="http://schemas.microsoft.com/office/powerpoint/2010/main" val="429524100"/>
+        <p14:creationId xmlns:p14="http://schemas.microsoft.com/office/powerpoint/2010/main" val="3607536167"/>
       </p:ext>
     </p:extLst>
   </p:cSld>
@@ -1425,7 +1595,7 @@
     </p:spTree>
     <p:extLst>
       <p:ext uri="{BB962C8B-B14F-4D97-AF65-F5344CB8AC3E}">
-        <p14:creationId xmlns:p14="http://schemas.microsoft.com/office/powerpoint/2010/main" val="3955959832"/>
+        <p14:creationId xmlns:p14="http://schemas.microsoft.com/office/powerpoint/2010/main" val="429524100"/>
       </p:ext>
     </p:extLst>
   </p:cSld>
@@ -1509,7 +1679,7 @@
     </p:spTree>
     <p:extLst>
       <p:ext uri="{BB962C8B-B14F-4D97-AF65-F5344CB8AC3E}">
-        <p14:creationId xmlns:p14="http://schemas.microsoft.com/office/powerpoint/2010/main" val="2641197936"/>
+        <p14:creationId xmlns:p14="http://schemas.microsoft.com/office/powerpoint/2010/main" val="3955959832"/>
       </p:ext>
     </p:extLst>
   </p:cSld>
@@ -1686,7 +1856,7 @@
           <a:p>
             <a:fld id="{C1F93407-1483-4B80-86DE-DAE1D4D89093}" type="datetimeFigureOut">
               <a:rPr lang="en-US" noProof="0" smtClean="0"/>
-              <a:t>3/11/2021</a:t>
+              <a:t>3/12/2021</a:t>
             </a:fld>
             <a:endParaRPr lang="en-US" noProof="0" dirty="0"/>
           </a:p>
@@ -10438,7 +10608,7 @@
           <a:p>
             <a:fld id="{C1F93407-1483-4B80-86DE-DAE1D4D89093}" type="datetimeFigureOut">
               <a:rPr lang="en-US" noProof="0" smtClean="0"/>
-              <a:t>3/11/2021</a:t>
+              <a:t>3/12/2021</a:t>
             </a:fld>
             <a:endParaRPr lang="en-US" noProof="0" dirty="0"/>
           </a:p>
@@ -11261,7 +11431,7 @@
           <a:p>
             <a:fld id="{C1F93407-1483-4B80-86DE-DAE1D4D89093}" type="datetimeFigureOut">
               <a:rPr lang="en-US" noProof="0" smtClean="0"/>
-              <a:t>3/11/2021</a:t>
+              <a:t>3/12/2021</a:t>
             </a:fld>
             <a:endParaRPr lang="en-US" noProof="0" dirty="0"/>
           </a:p>
@@ -13183,6 +13353,298 @@
           <a:chExt cx="0" cy="0"/>
         </a:xfrm>
       </p:grpSpPr>
+      <p:pic>
+        <p:nvPicPr>
+          <p:cNvPr id="5" name="Picture Placeholder 4" descr="aerial view bridge over water">
+            <a:extLst>
+              <a:ext uri="{FF2B5EF4-FFF2-40B4-BE49-F238E27FC236}">
+                <a16:creationId xmlns:a16="http://schemas.microsoft.com/office/drawing/2014/main" id="{A02A293F-91B7-40E6-B378-A5EED474FFBA}"/>
+              </a:ext>
+            </a:extLst>
+          </p:cNvPr>
+          <p:cNvPicPr>
+            <a:picLocks noGrp="1" noChangeAspect="1"/>
+          </p:cNvPicPr>
+          <p:nvPr>
+            <p:ph type="pic" sz="quarter" idx="13"/>
+          </p:nvPr>
+        </p:nvPicPr>
+        <p:blipFill>
+          <a:blip r:embed="rId3" cstate="screen">
+            <a:extLst>
+              <a:ext uri="{28A0092B-C50C-407E-A947-70E740481C1C}">
+                <a14:useLocalDpi xmlns:a14="http://schemas.microsoft.com/office/drawing/2010/main"/>
+              </a:ext>
+            </a:extLst>
+          </a:blip>
+          <a:srcRect/>
+          <a:stretch>
+            <a:fillRect/>
+          </a:stretch>
+        </p:blipFill>
+        <p:spPr/>
+      </p:pic>
+      <p:sp>
+        <p:nvSpPr>
+          <p:cNvPr id="6" name="Title 5">
+            <a:extLst>
+              <a:ext uri="{FF2B5EF4-FFF2-40B4-BE49-F238E27FC236}">
+                <a16:creationId xmlns:a16="http://schemas.microsoft.com/office/drawing/2014/main" id="{9DD519AC-7392-4C53-9E3F-08F1208BC2CB}"/>
+              </a:ext>
+            </a:extLst>
+          </p:cNvPr>
+          <p:cNvSpPr>
+            <a:spLocks noGrp="1"/>
+          </p:cNvSpPr>
+          <p:nvPr>
+            <p:ph type="title"/>
+          </p:nvPr>
+        </p:nvSpPr>
+        <p:spPr/>
+        <p:txBody>
+          <a:bodyPr>
+            <a:normAutofit fontScale="90000"/>
+          </a:bodyPr>
+          <a:lstStyle/>
+          <a:p>
+            <a:r>
+              <a:rPr lang="en-US" dirty="0"/>
+              <a:t>The contracts are able to provide visibility as the product moves trough the supply chain.  Each step is encoded into the blockchain</a:t>
+            </a:r>
+          </a:p>
+        </p:txBody>
+      </p:sp>
+      <p:sp>
+        <p:nvSpPr>
+          <p:cNvPr id="8" name="Subtitle 7">
+            <a:extLst>
+              <a:ext uri="{FF2B5EF4-FFF2-40B4-BE49-F238E27FC236}">
+                <a16:creationId xmlns:a16="http://schemas.microsoft.com/office/drawing/2014/main" id="{9A294210-0A3A-40B7-8019-FDFD9DA7592B}"/>
+              </a:ext>
+            </a:extLst>
+          </p:cNvPr>
+          <p:cNvSpPr>
+            <a:spLocks noGrp="1"/>
+          </p:cNvSpPr>
+          <p:nvPr>
+            <p:ph type="subTitle" idx="1"/>
+          </p:nvPr>
+        </p:nvSpPr>
+        <p:spPr/>
+        <p:txBody>
+          <a:bodyPr/>
+          <a:lstStyle/>
+          <a:p>
+            <a:r>
+              <a:rPr lang="en-US" dirty="0"/>
+              <a:t>Email Address here</a:t>
+            </a:r>
+          </a:p>
+        </p:txBody>
+      </p:sp>
+      <p:sp>
+        <p:nvSpPr>
+          <p:cNvPr id="9" name="Content Placeholder 8">
+            <a:extLst>
+              <a:ext uri="{FF2B5EF4-FFF2-40B4-BE49-F238E27FC236}">
+                <a16:creationId xmlns:a16="http://schemas.microsoft.com/office/drawing/2014/main" id="{6ABAD79F-DC94-4F5D-8A43-C69B1B426660}"/>
+              </a:ext>
+            </a:extLst>
+          </p:cNvPr>
+          <p:cNvSpPr>
+            <a:spLocks noGrp="1"/>
+          </p:cNvSpPr>
+          <p:nvPr>
+            <p:ph sz="quarter" idx="15"/>
+          </p:nvPr>
+        </p:nvSpPr>
+        <p:spPr/>
+        <p:txBody>
+          <a:bodyPr/>
+          <a:lstStyle/>
+          <a:p>
+            <a:r>
+              <a:rPr lang="en-US" dirty="0"/>
+              <a:t>Website here</a:t>
+            </a:r>
+          </a:p>
+        </p:txBody>
+      </p:sp>
+    </p:spTree>
+    <p:extLst>
+      <p:ext uri="{BB962C8B-B14F-4D97-AF65-F5344CB8AC3E}">
+        <p14:creationId xmlns:p14="http://schemas.microsoft.com/office/powerpoint/2010/main" val="1044043446"/>
+      </p:ext>
+    </p:extLst>
+  </p:cSld>
+  <p:clrMapOvr>
+    <a:masterClrMapping/>
+  </p:clrMapOvr>
+</p:sld>
+</file>
+
+<file path=ppt/slides/slide11.xml><?xml version="1.0" encoding="utf-8"?>
+<p:sld xmlns:a="http://schemas.openxmlformats.org/drawingml/2006/main" xmlns:r="http://schemas.openxmlformats.org/officeDocument/2006/relationships" xmlns:p="http://schemas.openxmlformats.org/presentationml/2006/main">
+  <p:cSld>
+    <p:spTree>
+      <p:nvGrpSpPr>
+        <p:cNvPr id="1" name=""/>
+        <p:cNvGrpSpPr/>
+        <p:nvPr/>
+      </p:nvGrpSpPr>
+      <p:grpSpPr>
+        <a:xfrm>
+          <a:off x="0" y="0"/>
+          <a:ext cx="0" cy="0"/>
+          <a:chOff x="0" y="0"/>
+          <a:chExt cx="0" cy="0"/>
+        </a:xfrm>
+      </p:grpSpPr>
+      <p:pic>
+        <p:nvPicPr>
+          <p:cNvPr id="5" name="Picture Placeholder 4" descr="aerial view bridge over water">
+            <a:extLst>
+              <a:ext uri="{FF2B5EF4-FFF2-40B4-BE49-F238E27FC236}">
+                <a16:creationId xmlns:a16="http://schemas.microsoft.com/office/drawing/2014/main" id="{A02A293F-91B7-40E6-B378-A5EED474FFBA}"/>
+              </a:ext>
+            </a:extLst>
+          </p:cNvPr>
+          <p:cNvPicPr>
+            <a:picLocks noGrp="1" noChangeAspect="1"/>
+          </p:cNvPicPr>
+          <p:nvPr>
+            <p:ph type="pic" sz="quarter" idx="13"/>
+          </p:nvPr>
+        </p:nvPicPr>
+        <p:blipFill>
+          <a:blip r:embed="rId3" cstate="screen">
+            <a:extLst>
+              <a:ext uri="{28A0092B-C50C-407E-A947-70E740481C1C}">
+                <a14:useLocalDpi xmlns:a14="http://schemas.microsoft.com/office/drawing/2010/main"/>
+              </a:ext>
+            </a:extLst>
+          </a:blip>
+          <a:srcRect/>
+          <a:stretch>
+            <a:fillRect/>
+          </a:stretch>
+        </p:blipFill>
+        <p:spPr/>
+      </p:pic>
+      <p:sp>
+        <p:nvSpPr>
+          <p:cNvPr id="6" name="Title 5">
+            <a:extLst>
+              <a:ext uri="{FF2B5EF4-FFF2-40B4-BE49-F238E27FC236}">
+                <a16:creationId xmlns:a16="http://schemas.microsoft.com/office/drawing/2014/main" id="{9DD519AC-7392-4C53-9E3F-08F1208BC2CB}"/>
+              </a:ext>
+            </a:extLst>
+          </p:cNvPr>
+          <p:cNvSpPr>
+            <a:spLocks noGrp="1"/>
+          </p:cNvSpPr>
+          <p:nvPr>
+            <p:ph type="title"/>
+          </p:nvPr>
+        </p:nvSpPr>
+        <p:spPr/>
+        <p:txBody>
+          <a:bodyPr/>
+          <a:lstStyle/>
+          <a:p>
+            <a:r>
+              <a:rPr lang="en-US" dirty="0"/>
+              <a:t>Thank You</a:t>
+            </a:r>
+          </a:p>
+        </p:txBody>
+      </p:sp>
+      <p:sp>
+        <p:nvSpPr>
+          <p:cNvPr id="8" name="Subtitle 7">
+            <a:extLst>
+              <a:ext uri="{FF2B5EF4-FFF2-40B4-BE49-F238E27FC236}">
+                <a16:creationId xmlns:a16="http://schemas.microsoft.com/office/drawing/2014/main" id="{9A294210-0A3A-40B7-8019-FDFD9DA7592B}"/>
+              </a:ext>
+            </a:extLst>
+          </p:cNvPr>
+          <p:cNvSpPr>
+            <a:spLocks noGrp="1"/>
+          </p:cNvSpPr>
+          <p:nvPr>
+            <p:ph type="subTitle" idx="1"/>
+          </p:nvPr>
+        </p:nvSpPr>
+        <p:spPr/>
+        <p:txBody>
+          <a:bodyPr/>
+          <a:lstStyle/>
+          <a:p>
+            <a:r>
+              <a:rPr lang="en-US" dirty="0"/>
+              <a:t>Email Address here</a:t>
+            </a:r>
+          </a:p>
+        </p:txBody>
+      </p:sp>
+      <p:sp>
+        <p:nvSpPr>
+          <p:cNvPr id="9" name="Content Placeholder 8">
+            <a:extLst>
+              <a:ext uri="{FF2B5EF4-FFF2-40B4-BE49-F238E27FC236}">
+                <a16:creationId xmlns:a16="http://schemas.microsoft.com/office/drawing/2014/main" id="{6ABAD79F-DC94-4F5D-8A43-C69B1B426660}"/>
+              </a:ext>
+            </a:extLst>
+          </p:cNvPr>
+          <p:cNvSpPr>
+            <a:spLocks noGrp="1"/>
+          </p:cNvSpPr>
+          <p:nvPr>
+            <p:ph sz="quarter" idx="15"/>
+          </p:nvPr>
+        </p:nvSpPr>
+        <p:spPr/>
+        <p:txBody>
+          <a:bodyPr/>
+          <a:lstStyle/>
+          <a:p>
+            <a:r>
+              <a:rPr lang="en-US" dirty="0"/>
+              <a:t>Website here</a:t>
+            </a:r>
+          </a:p>
+        </p:txBody>
+      </p:sp>
+    </p:spTree>
+    <p:extLst>
+      <p:ext uri="{BB962C8B-B14F-4D97-AF65-F5344CB8AC3E}">
+        <p14:creationId xmlns:p14="http://schemas.microsoft.com/office/powerpoint/2010/main" val="1888573352"/>
+      </p:ext>
+    </p:extLst>
+  </p:cSld>
+  <p:clrMapOvr>
+    <a:masterClrMapping/>
+  </p:clrMapOvr>
+</p:sld>
+</file>
+
+<file path=ppt/slides/slide12.xml><?xml version="1.0" encoding="utf-8"?>
+<p:sld xmlns:a="http://schemas.openxmlformats.org/drawingml/2006/main" xmlns:r="http://schemas.openxmlformats.org/officeDocument/2006/relationships" xmlns:p="http://schemas.openxmlformats.org/presentationml/2006/main">
+  <p:cSld>
+    <p:spTree>
+      <p:nvGrpSpPr>
+        <p:cNvPr id="1" name=""/>
+        <p:cNvGrpSpPr/>
+        <p:nvPr/>
+      </p:nvGrpSpPr>
+      <p:grpSpPr>
+        <a:xfrm>
+          <a:off x="0" y="0"/>
+          <a:ext cx="0" cy="0"/>
+          <a:chOff x="0" y="0"/>
+          <a:chExt cx="0" cy="0"/>
+        </a:xfrm>
+      </p:grpSpPr>
       <p:sp>
         <p:nvSpPr>
           <p:cNvPr id="4" name="Title 3">
@@ -13276,7 +13738,7 @@
             <a:fld id="{48BB047D-A6CD-43AB-96F0-683C726B586B}" type="slidenum">
               <a:rPr lang="en-US" smtClean="0"/>
               <a:pPr/>
-              <a:t>10</a:t>
+              <a:t>12</a:t>
             </a:fld>
             <a:endParaRPr lang="en-US" dirty="0"/>
           </a:p>
@@ -17791,6 +18253,160 @@
       </p:grpSpPr>
       <p:sp>
         <p:nvSpPr>
+          <p:cNvPr id="6" name="Title 5">
+            <a:extLst>
+              <a:ext uri="{FF2B5EF4-FFF2-40B4-BE49-F238E27FC236}">
+                <a16:creationId xmlns:a16="http://schemas.microsoft.com/office/drawing/2014/main" id="{9DD519AC-7392-4C53-9E3F-08F1208BC2CB}"/>
+              </a:ext>
+            </a:extLst>
+          </p:cNvPr>
+          <p:cNvSpPr>
+            <a:spLocks noGrp="1"/>
+          </p:cNvSpPr>
+          <p:nvPr>
+            <p:ph type="title"/>
+          </p:nvPr>
+        </p:nvSpPr>
+        <p:spPr>
+          <a:xfrm>
+            <a:off x="347921" y="4343280"/>
+            <a:ext cx="6556248" cy="750278"/>
+          </a:xfrm>
+        </p:spPr>
+        <p:txBody>
+          <a:bodyPr>
+            <a:normAutofit/>
+          </a:bodyPr>
+          <a:lstStyle/>
+          <a:p>
+            <a:r>
+              <a:rPr lang="en-US" dirty="0">
+                <a:hlinkClick r:id="rId3"/>
+              </a:rPr>
+              <a:t>QR Code</a:t>
+            </a:r>
+            <a:endParaRPr lang="en-US" dirty="0"/>
+          </a:p>
+        </p:txBody>
+      </p:sp>
+      <p:sp>
+        <p:nvSpPr>
+          <p:cNvPr id="8" name="Subtitle 7">
+            <a:extLst>
+              <a:ext uri="{FF2B5EF4-FFF2-40B4-BE49-F238E27FC236}">
+                <a16:creationId xmlns:a16="http://schemas.microsoft.com/office/drawing/2014/main" id="{9A294210-0A3A-40B7-8019-FDFD9DA7592B}"/>
+              </a:ext>
+            </a:extLst>
+          </p:cNvPr>
+          <p:cNvSpPr>
+            <a:spLocks noGrp="1"/>
+          </p:cNvSpPr>
+          <p:nvPr>
+            <p:ph type="subTitle" idx="1"/>
+          </p:nvPr>
+        </p:nvSpPr>
+        <p:spPr/>
+        <p:txBody>
+          <a:bodyPr/>
+          <a:lstStyle/>
+          <a:p>
+            <a:r>
+              <a:rPr lang="en-US" dirty="0"/>
+              <a:t>Email Address here</a:t>
+            </a:r>
+          </a:p>
+        </p:txBody>
+      </p:sp>
+      <p:sp>
+        <p:nvSpPr>
+          <p:cNvPr id="9" name="Content Placeholder 8">
+            <a:extLst>
+              <a:ext uri="{FF2B5EF4-FFF2-40B4-BE49-F238E27FC236}">
+                <a16:creationId xmlns:a16="http://schemas.microsoft.com/office/drawing/2014/main" id="{6ABAD79F-DC94-4F5D-8A43-C69B1B426660}"/>
+              </a:ext>
+            </a:extLst>
+          </p:cNvPr>
+          <p:cNvSpPr>
+            <a:spLocks noGrp="1"/>
+          </p:cNvSpPr>
+          <p:nvPr>
+            <p:ph sz="quarter" idx="15"/>
+          </p:nvPr>
+        </p:nvSpPr>
+        <p:spPr/>
+        <p:txBody>
+          <a:bodyPr/>
+          <a:lstStyle/>
+          <a:p>
+            <a:r>
+              <a:rPr lang="en-US" dirty="0"/>
+              <a:t>Website here</a:t>
+            </a:r>
+          </a:p>
+        </p:txBody>
+      </p:sp>
+      <p:pic>
+        <p:nvPicPr>
+          <p:cNvPr id="3" name="Picture 2" descr="Qr code&#10;&#10;Description automatically generated">
+            <a:extLst>
+              <a:ext uri="{FF2B5EF4-FFF2-40B4-BE49-F238E27FC236}">
+                <a16:creationId xmlns:a16="http://schemas.microsoft.com/office/drawing/2014/main" id="{084742AE-3E42-49DE-B0AD-F6C1A0BB52CD}"/>
+              </a:ext>
+            </a:extLst>
+          </p:cNvPr>
+          <p:cNvPicPr>
+            <a:picLocks noChangeAspect="1"/>
+          </p:cNvPicPr>
+          <p:nvPr/>
+        </p:nvPicPr>
+        <p:blipFill>
+          <a:blip r:embed="rId4"/>
+          <a:stretch>
+            <a:fillRect/>
+          </a:stretch>
+        </p:blipFill>
+        <p:spPr>
+          <a:xfrm>
+            <a:off x="2968831" y="0"/>
+            <a:ext cx="5290306" cy="6858000"/>
+          </a:xfrm>
+          <a:prstGeom prst="rect">
+            <a:avLst/>
+          </a:prstGeom>
+        </p:spPr>
+      </p:pic>
+    </p:spTree>
+    <p:extLst>
+      <p:ext uri="{BB962C8B-B14F-4D97-AF65-F5344CB8AC3E}">
+        <p14:creationId xmlns:p14="http://schemas.microsoft.com/office/powerpoint/2010/main" val="1782274500"/>
+      </p:ext>
+    </p:extLst>
+  </p:cSld>
+  <p:clrMapOvr>
+    <a:masterClrMapping/>
+  </p:clrMapOvr>
+</p:sld>
+</file>
+
+<file path=ppt/slides/slide7.xml><?xml version="1.0" encoding="utf-8"?>
+<p:sld xmlns:a="http://schemas.openxmlformats.org/drawingml/2006/main" xmlns:r="http://schemas.openxmlformats.org/officeDocument/2006/relationships" xmlns:p="http://schemas.openxmlformats.org/presentationml/2006/main">
+  <p:cSld>
+    <p:spTree>
+      <p:nvGrpSpPr>
+        <p:cNvPr id="1" name=""/>
+        <p:cNvGrpSpPr/>
+        <p:nvPr/>
+      </p:nvGrpSpPr>
+      <p:grpSpPr>
+        <a:xfrm>
+          <a:off x="0" y="0"/>
+          <a:ext cx="0" cy="0"/>
+          <a:chOff x="0" y="0"/>
+          <a:chExt cx="0" cy="0"/>
+        </a:xfrm>
+      </p:grpSpPr>
+      <p:sp>
+        <p:nvSpPr>
           <p:cNvPr id="2" name="Title 1">
             <a:extLst>
               <a:ext uri="{FF2B5EF4-FFF2-40B4-BE49-F238E27FC236}">
@@ -17950,7 +18566,7 @@
             <a:fld id="{48BB047D-A6CD-43AB-96F0-683C726B586B}" type="slidenum">
               <a:rPr lang="en-US" smtClean="0"/>
               <a:pPr/>
-              <a:t>6</a:t>
+              <a:t>7</a:t>
             </a:fld>
             <a:endParaRPr lang="en-US" dirty="0"/>
           </a:p>
@@ -18058,7 +18674,7 @@
 </p:sld>
 </file>
 
-<file path=ppt/slides/slide7.xml><?xml version="1.0" encoding="utf-8"?>
+<file path=ppt/slides/slide8.xml><?xml version="1.0" encoding="utf-8"?>
 <p:sld xmlns:a="http://schemas.openxmlformats.org/drawingml/2006/main" xmlns:r="http://schemas.openxmlformats.org/officeDocument/2006/relationships" xmlns:p="http://schemas.openxmlformats.org/presentationml/2006/main">
   <p:cSld>
     <p:spTree>
@@ -18677,7 +19293,7 @@
             <a:fld id="{48BB047D-A6CD-43AB-96F0-683C726B586B}" type="slidenum">
               <a:rPr lang="en-US" smtClean="0"/>
               <a:pPr/>
-              <a:t>7</a:t>
+              <a:t>8</a:t>
             </a:fld>
             <a:endParaRPr lang="en-US" dirty="0"/>
           </a:p>
@@ -18815,7 +19431,7 @@
 </p:sld>
 </file>
 
-<file path=ppt/slides/slide8.xml><?xml version="1.0" encoding="utf-8"?>
+<file path=ppt/slides/slide9.xml><?xml version="1.0" encoding="utf-8"?>
 <p:sld xmlns:a="http://schemas.openxmlformats.org/drawingml/2006/main" xmlns:r="http://schemas.openxmlformats.org/officeDocument/2006/relationships" xmlns:p="http://schemas.openxmlformats.org/presentationml/2006/main">
   <p:cSld>
     <p:spTree>
@@ -19087,7 +19703,7 @@
             <a:fld id="{48BB047D-A6CD-43AB-96F0-683C726B586B}" type="slidenum">
               <a:rPr lang="en-US" smtClean="0"/>
               <a:pPr/>
-              <a:t>8</a:t>
+              <a:t>9</a:t>
             </a:fld>
             <a:endParaRPr lang="en-US" dirty="0"/>
           </a:p>
@@ -19215,151 +19831,6 @@
     <p:extLst>
       <p:ext uri="{BB962C8B-B14F-4D97-AF65-F5344CB8AC3E}">
         <p14:creationId xmlns:p14="http://schemas.microsoft.com/office/powerpoint/2010/main" val="2962383448"/>
-      </p:ext>
-    </p:extLst>
-  </p:cSld>
-  <p:clrMapOvr>
-    <a:masterClrMapping/>
-  </p:clrMapOvr>
-</p:sld>
-</file>
-
-<file path=ppt/slides/slide9.xml><?xml version="1.0" encoding="utf-8"?>
-<p:sld xmlns:a="http://schemas.openxmlformats.org/drawingml/2006/main" xmlns:r="http://schemas.openxmlformats.org/officeDocument/2006/relationships" xmlns:p="http://schemas.openxmlformats.org/presentationml/2006/main">
-  <p:cSld>
-    <p:spTree>
-      <p:nvGrpSpPr>
-        <p:cNvPr id="1" name=""/>
-        <p:cNvGrpSpPr/>
-        <p:nvPr/>
-      </p:nvGrpSpPr>
-      <p:grpSpPr>
-        <a:xfrm>
-          <a:off x="0" y="0"/>
-          <a:ext cx="0" cy="0"/>
-          <a:chOff x="0" y="0"/>
-          <a:chExt cx="0" cy="0"/>
-        </a:xfrm>
-      </p:grpSpPr>
-      <p:pic>
-        <p:nvPicPr>
-          <p:cNvPr id="5" name="Picture Placeholder 4" descr="aerial view bridge over water">
-            <a:extLst>
-              <a:ext uri="{FF2B5EF4-FFF2-40B4-BE49-F238E27FC236}">
-                <a16:creationId xmlns:a16="http://schemas.microsoft.com/office/drawing/2014/main" id="{A02A293F-91B7-40E6-B378-A5EED474FFBA}"/>
-              </a:ext>
-            </a:extLst>
-          </p:cNvPr>
-          <p:cNvPicPr>
-            <a:picLocks noGrp="1" noChangeAspect="1"/>
-          </p:cNvPicPr>
-          <p:nvPr>
-            <p:ph type="pic" sz="quarter" idx="13"/>
-          </p:nvPr>
-        </p:nvPicPr>
-        <p:blipFill>
-          <a:blip r:embed="rId3" cstate="screen">
-            <a:extLst>
-              <a:ext uri="{28A0092B-C50C-407E-A947-70E740481C1C}">
-                <a14:useLocalDpi xmlns:a14="http://schemas.microsoft.com/office/drawing/2010/main"/>
-              </a:ext>
-            </a:extLst>
-          </a:blip>
-          <a:srcRect/>
-          <a:stretch>
-            <a:fillRect/>
-          </a:stretch>
-        </p:blipFill>
-        <p:spPr/>
-      </p:pic>
-      <p:sp>
-        <p:nvSpPr>
-          <p:cNvPr id="6" name="Title 5">
-            <a:extLst>
-              <a:ext uri="{FF2B5EF4-FFF2-40B4-BE49-F238E27FC236}">
-                <a16:creationId xmlns:a16="http://schemas.microsoft.com/office/drawing/2014/main" id="{9DD519AC-7392-4C53-9E3F-08F1208BC2CB}"/>
-              </a:ext>
-            </a:extLst>
-          </p:cNvPr>
-          <p:cNvSpPr>
-            <a:spLocks noGrp="1"/>
-          </p:cNvSpPr>
-          <p:nvPr>
-            <p:ph type="title"/>
-          </p:nvPr>
-        </p:nvSpPr>
-        <p:spPr/>
-        <p:txBody>
-          <a:bodyPr/>
-          <a:lstStyle/>
-          <a:p>
-            <a:r>
-              <a:rPr lang="en-US" dirty="0"/>
-              <a:t>Thank You</a:t>
-            </a:r>
-          </a:p>
-        </p:txBody>
-      </p:sp>
-      <p:sp>
-        <p:nvSpPr>
-          <p:cNvPr id="8" name="Subtitle 7">
-            <a:extLst>
-              <a:ext uri="{FF2B5EF4-FFF2-40B4-BE49-F238E27FC236}">
-                <a16:creationId xmlns:a16="http://schemas.microsoft.com/office/drawing/2014/main" id="{9A294210-0A3A-40B7-8019-FDFD9DA7592B}"/>
-              </a:ext>
-            </a:extLst>
-          </p:cNvPr>
-          <p:cNvSpPr>
-            <a:spLocks noGrp="1"/>
-          </p:cNvSpPr>
-          <p:nvPr>
-            <p:ph type="subTitle" idx="1"/>
-          </p:nvPr>
-        </p:nvSpPr>
-        <p:spPr/>
-        <p:txBody>
-          <a:bodyPr/>
-          <a:lstStyle/>
-          <a:p>
-            <a:r>
-              <a:rPr lang="en-US" dirty="0"/>
-              <a:t>Email Address here</a:t>
-            </a:r>
-          </a:p>
-        </p:txBody>
-      </p:sp>
-      <p:sp>
-        <p:nvSpPr>
-          <p:cNvPr id="9" name="Content Placeholder 8">
-            <a:extLst>
-              <a:ext uri="{FF2B5EF4-FFF2-40B4-BE49-F238E27FC236}">
-                <a16:creationId xmlns:a16="http://schemas.microsoft.com/office/drawing/2014/main" id="{6ABAD79F-DC94-4F5D-8A43-C69B1B426660}"/>
-              </a:ext>
-            </a:extLst>
-          </p:cNvPr>
-          <p:cNvSpPr>
-            <a:spLocks noGrp="1"/>
-          </p:cNvSpPr>
-          <p:nvPr>
-            <p:ph sz="quarter" idx="15"/>
-          </p:nvPr>
-        </p:nvSpPr>
-        <p:spPr/>
-        <p:txBody>
-          <a:bodyPr/>
-          <a:lstStyle/>
-          <a:p>
-            <a:r>
-              <a:rPr lang="en-US" dirty="0"/>
-              <a:t>Website here</a:t>
-            </a:r>
-          </a:p>
-        </p:txBody>
-      </p:sp>
-    </p:spTree>
-    <p:extLst>
-      <p:ext uri="{BB962C8B-B14F-4D97-AF65-F5344CB8AC3E}">
-        <p14:creationId xmlns:p14="http://schemas.microsoft.com/office/powerpoint/2010/main" val="1044043446"/>
       </p:ext>
     </p:extLst>
   </p:cSld>
@@ -20170,14 +20641,6 @@
 </file>
 
 <file path=customXml/item2.xml><?xml version="1.0" encoding="utf-8"?>
-<p:properties xmlns:p="http://schemas.microsoft.com/office/2006/metadata/properties" xmlns:xsi="http://www.w3.org/2001/XMLSchema-instance" xmlns:pc="http://schemas.microsoft.com/office/infopath/2007/PartnerControls">
-  <documentManagement>
-    <MediaServiceKeyPoints xmlns="71af3243-3dd4-4a8d-8c0d-dd76da1f02a5" xsi:nil="true"/>
-  </documentManagement>
-</p:properties>
-</file>
-
-<file path=customXml/item3.xml><?xml version="1.0" encoding="utf-8"?>
 <ct:contentTypeSchema xmlns:ct="http://schemas.microsoft.com/office/2006/metadata/contentType" xmlns:ma="http://schemas.microsoft.com/office/2006/metadata/properties/metaAttributes" ct:_="" ma:_="" ma:contentTypeName="Document" ma:contentTypeID="0x01010079F111ED35F8CC479449609E8A0923A6" ma:contentTypeVersion="11" ma:contentTypeDescription="Create a new document." ma:contentTypeScope="" ma:versionID="9677210f24a1be23c92c90fd886aa0aa">
   <xsd:schema xmlns:xsd="http://www.w3.org/2001/XMLSchema" xmlns:xs="http://www.w3.org/2001/XMLSchema" xmlns:p="http://schemas.microsoft.com/office/2006/metadata/properties" xmlns:ns2="71af3243-3dd4-4a8d-8c0d-dd76da1f02a5" xmlns:ns3="16c05727-aa75-4e4a-9b5f-8a80a1165891" targetNamespace="http://schemas.microsoft.com/office/2006/metadata/properties" ma:root="true" ma:fieldsID="60e05723c5c1908df1a1a4ebf11d344e" ns2:_="" ns3:_="">
     <xsd:import namespace="71af3243-3dd4-4a8d-8c0d-dd76da1f02a5"/>
@@ -20388,6 +20851,14 @@
 </ct:contentTypeSchema>
 </file>
 
+<file path=customXml/item3.xml><?xml version="1.0" encoding="utf-8"?>
+<p:properties xmlns:p="http://schemas.microsoft.com/office/2006/metadata/properties" xmlns:xsi="http://www.w3.org/2001/XMLSchema-instance" xmlns:pc="http://schemas.microsoft.com/office/infopath/2007/PartnerControls">
+  <documentManagement>
+    <MediaServiceKeyPoints xmlns="71af3243-3dd4-4a8d-8c0d-dd76da1f02a5" xsi:nil="true"/>
+  </documentManagement>
+</p:properties>
+</file>
+
 <file path=customXml/itemProps1.xml><?xml version="1.0" encoding="utf-8"?>
 <ds:datastoreItem xmlns:ds="http://schemas.openxmlformats.org/officeDocument/2006/customXml" ds:itemID="{0D46D58D-B27D-4B23-AEA1-AE974AB62218}">
   <ds:schemaRefs>
@@ -20397,16 +20868,6 @@
 </file>
 
 <file path=customXml/itemProps2.xml><?xml version="1.0" encoding="utf-8"?>
-<ds:datastoreItem xmlns:ds="http://schemas.openxmlformats.org/officeDocument/2006/customXml" ds:itemID="{330CE401-796E-4493-905E-4DDA5AF62AB4}">
-  <ds:schemaRefs>
-    <ds:schemaRef ds:uri="http://schemas.microsoft.com/office/2006/metadata/properties"/>
-    <ds:schemaRef ds:uri="http://schemas.microsoft.com/office/infopath/2007/PartnerControls"/>
-    <ds:schemaRef ds:uri="71af3243-3dd4-4a8d-8c0d-dd76da1f02a5"/>
-  </ds:schemaRefs>
-</ds:datastoreItem>
-</file>
-
-<file path=customXml/itemProps3.xml><?xml version="1.0" encoding="utf-8"?>
 <ds:datastoreItem xmlns:ds="http://schemas.openxmlformats.org/officeDocument/2006/customXml" ds:itemID="{F2949B46-24C4-420B-AB49-DDC88FEB99BF}">
   <ds:schemaRefs>
     <ds:schemaRef ds:uri="http://schemas.microsoft.com/office/2006/metadata/contentType"/>
@@ -20423,4 +20884,14 @@
     <ds:schemaRef ds:uri="http://schemas.microsoft.com/internal/obd"/>
   </ds:schemaRefs>
 </ds:datastoreItem>
+</file>
+
+<file path=customXml/itemProps3.xml><?xml version="1.0" encoding="utf-8"?>
+<ds:datastoreItem xmlns:ds="http://schemas.openxmlformats.org/officeDocument/2006/customXml" ds:itemID="{330CE401-796E-4493-905E-4DDA5AF62AB4}">
+  <ds:schemaRefs>
+    <ds:schemaRef ds:uri="http://schemas.microsoft.com/office/2006/metadata/properties"/>
+    <ds:schemaRef ds:uri="http://schemas.microsoft.com/office/infopath/2007/PartnerControls"/>
+    <ds:schemaRef ds:uri="71af3243-3dd4-4a8d-8c0d-dd76da1f02a5"/>
+  </ds:schemaRefs>
+</ds:datastoreItem>
 </file>
--- a/BlockchainINSupplyChains.pptx
+++ b/BlockchainINSupplyChains.pptx
@@ -5,10 +5,10 @@
     <p:sldMasterId id="2147483648" r:id="rId4"/>
   </p:sldMasterIdLst>
   <p:notesMasterIdLst>
-    <p:notesMasterId r:id="rId17"/>
+    <p:notesMasterId r:id="rId16"/>
   </p:notesMasterIdLst>
   <p:handoutMasterIdLst>
-    <p:handoutMasterId r:id="rId18"/>
+    <p:handoutMasterId r:id="rId17"/>
   </p:handoutMasterIdLst>
   <p:sldIdLst>
     <p:sldId id="256" r:id="rId5"/>
@@ -22,7 +22,6 @@
     <p:sldId id="270" r:id="rId13"/>
     <p:sldId id="265" r:id="rId14"/>
     <p:sldId id="273" r:id="rId15"/>
-    <p:sldId id="267" r:id="rId16"/>
   </p:sldIdLst>
   <p:sldSz cx="12192000" cy="6858000"/>
   <p:notesSz cx="6858000" cy="9144000"/>
@@ -924,90 +923,6 @@
     <p:extLst>
       <p:ext uri="{BB962C8B-B14F-4D97-AF65-F5344CB8AC3E}">
         <p14:creationId xmlns:p14="http://schemas.microsoft.com/office/powerpoint/2010/main" val="1621448274"/>
-      </p:ext>
-    </p:extLst>
-  </p:cSld>
-  <p:clrMapOvr>
-    <a:masterClrMapping/>
-  </p:clrMapOvr>
-</p:notes>
-</file>
-
-<file path=ppt/notesSlides/notesSlide12.xml><?xml version="1.0" encoding="utf-8"?>
-<p:notes xmlns:a="http://schemas.openxmlformats.org/drawingml/2006/main" xmlns:r="http://schemas.openxmlformats.org/officeDocument/2006/relationships" xmlns:p="http://schemas.openxmlformats.org/presentationml/2006/main">
-  <p:cSld>
-    <p:spTree>
-      <p:nvGrpSpPr>
-        <p:cNvPr id="1" name=""/>
-        <p:cNvGrpSpPr/>
-        <p:nvPr/>
-      </p:nvGrpSpPr>
-      <p:grpSpPr>
-        <a:xfrm>
-          <a:off x="0" y="0"/>
-          <a:ext cx="0" cy="0"/>
-          <a:chOff x="0" y="0"/>
-          <a:chExt cx="0" cy="0"/>
-        </a:xfrm>
-      </p:grpSpPr>
-      <p:sp>
-        <p:nvSpPr>
-          <p:cNvPr id="2" name="Slide Image Placeholder 1"/>
-          <p:cNvSpPr>
-            <a:spLocks noGrp="1" noRot="1" noChangeAspect="1"/>
-          </p:cNvSpPr>
-          <p:nvPr>
-            <p:ph type="sldImg"/>
-          </p:nvPr>
-        </p:nvSpPr>
-        <p:spPr/>
-      </p:sp>
-      <p:sp>
-        <p:nvSpPr>
-          <p:cNvPr id="3" name="Notes Placeholder 2"/>
-          <p:cNvSpPr>
-            <a:spLocks noGrp="1"/>
-          </p:cNvSpPr>
-          <p:nvPr>
-            <p:ph type="body" idx="1"/>
-          </p:nvPr>
-        </p:nvSpPr>
-        <p:spPr/>
-        <p:txBody>
-          <a:bodyPr/>
-          <a:lstStyle/>
-          <a:p>
-            <a:endParaRPr lang="en-US"/>
-          </a:p>
-        </p:txBody>
-      </p:sp>
-      <p:sp>
-        <p:nvSpPr>
-          <p:cNvPr id="4" name="Slide Number Placeholder 3"/>
-          <p:cNvSpPr>
-            <a:spLocks noGrp="1"/>
-          </p:cNvSpPr>
-          <p:nvPr>
-            <p:ph type="sldNum" sz="quarter" idx="5"/>
-          </p:nvPr>
-        </p:nvSpPr>
-        <p:spPr/>
-        <p:txBody>
-          <a:bodyPr/>
-          <a:lstStyle/>
-          <a:p>
-            <a:fld id="{385ACE04-E13C-4837-B6DD-B388E7CAA05E}" type="slidenum">
-              <a:rPr lang="en-US" noProof="0" smtClean="0"/>
-              <a:t>12</a:t>
-            </a:fld>
-            <a:endParaRPr lang="en-US" noProof="0" dirty="0"/>
-          </a:p>
-        </p:txBody>
-      </p:sp>
-    </p:spTree>
-    <p:extLst>
-      <p:ext uri="{BB962C8B-B14F-4D97-AF65-F5344CB8AC3E}">
-        <p14:creationId xmlns:p14="http://schemas.microsoft.com/office/powerpoint/2010/main" val="2086660188"/>
       </p:ext>
     </p:extLst>
   </p:cSld>
@@ -13353,37 +13268,6 @@
           <a:chExt cx="0" cy="0"/>
         </a:xfrm>
       </p:grpSpPr>
-      <p:pic>
-        <p:nvPicPr>
-          <p:cNvPr id="5" name="Picture Placeholder 4" descr="aerial view bridge over water">
-            <a:extLst>
-              <a:ext uri="{FF2B5EF4-FFF2-40B4-BE49-F238E27FC236}">
-                <a16:creationId xmlns:a16="http://schemas.microsoft.com/office/drawing/2014/main" id="{A02A293F-91B7-40E6-B378-A5EED474FFBA}"/>
-              </a:ext>
-            </a:extLst>
-          </p:cNvPr>
-          <p:cNvPicPr>
-            <a:picLocks noGrp="1" noChangeAspect="1"/>
-          </p:cNvPicPr>
-          <p:nvPr>
-            <p:ph type="pic" sz="quarter" idx="13"/>
-          </p:nvPr>
-        </p:nvPicPr>
-        <p:blipFill>
-          <a:blip r:embed="rId3" cstate="screen">
-            <a:extLst>
-              <a:ext uri="{28A0092B-C50C-407E-A947-70E740481C1C}">
-                <a14:useLocalDpi xmlns:a14="http://schemas.microsoft.com/office/drawing/2010/main"/>
-              </a:ext>
-            </a:extLst>
-          </a:blip>
-          <a:srcRect/>
-          <a:stretch>
-            <a:fillRect/>
-          </a:stretch>
-        </p:blipFill>
-        <p:spPr/>
-      </p:pic>
       <p:sp>
         <p:nvSpPr>
           <p:cNvPr id="6" name="Title 5">
@@ -13400,76 +13284,62 @@
             <p:ph type="title"/>
           </p:nvPr>
         </p:nvSpPr>
-        <p:spPr/>
+        <p:spPr>
+          <a:xfrm>
+            <a:off x="0" y="265814"/>
+            <a:ext cx="2698761" cy="851062"/>
+          </a:xfrm>
+        </p:spPr>
         <p:txBody>
-          <a:bodyPr>
-            <a:normAutofit fontScale="90000"/>
+          <a:bodyPr anchor="b">
+            <a:normAutofit/>
           </a:bodyPr>
           <a:lstStyle/>
           <a:p>
             <a:r>
-              <a:rPr lang="en-US" dirty="0"/>
-              <a:t>The contracts are able to provide visibility as the product moves trough the supply chain.  Each step is encoded into the blockchain</a:t>
+              <a:rPr lang="en-US" sz="1600" dirty="0"/>
+              <a:t>Deploy &amp; Run Transactions</a:t>
+            </a:r>
+            <a:br>
+              <a:rPr lang="en-US" sz="1600" dirty="0"/>
+            </a:br>
+            <a:r>
+              <a:rPr lang="en-US" sz="1600" dirty="0"/>
+              <a:t>		Demo</a:t>
             </a:r>
           </a:p>
         </p:txBody>
       </p:sp>
-      <p:sp>
-        <p:nvSpPr>
-          <p:cNvPr id="8" name="Subtitle 7">
-            <a:extLst>
-              <a:ext uri="{FF2B5EF4-FFF2-40B4-BE49-F238E27FC236}">
-                <a16:creationId xmlns:a16="http://schemas.microsoft.com/office/drawing/2014/main" id="{9A294210-0A3A-40B7-8019-FDFD9DA7592B}"/>
-              </a:ext>
-            </a:extLst>
-          </p:cNvPr>
-          <p:cNvSpPr>
-            <a:spLocks noGrp="1"/>
-          </p:cNvSpPr>
-          <p:nvPr>
-            <p:ph type="subTitle" idx="1"/>
-          </p:nvPr>
-        </p:nvSpPr>
-        <p:spPr/>
-        <p:txBody>
-          <a:bodyPr/>
-          <a:lstStyle/>
-          <a:p>
-            <a:r>
-              <a:rPr lang="en-US" dirty="0"/>
-              <a:t>Email Address here</a:t>
-            </a:r>
-          </a:p>
-        </p:txBody>
-      </p:sp>
-      <p:sp>
-        <p:nvSpPr>
-          <p:cNvPr id="9" name="Content Placeholder 8">
-            <a:extLst>
-              <a:ext uri="{FF2B5EF4-FFF2-40B4-BE49-F238E27FC236}">
-                <a16:creationId xmlns:a16="http://schemas.microsoft.com/office/drawing/2014/main" id="{6ABAD79F-DC94-4F5D-8A43-C69B1B426660}"/>
-              </a:ext>
-            </a:extLst>
-          </p:cNvPr>
-          <p:cNvSpPr>
-            <a:spLocks noGrp="1"/>
-          </p:cNvSpPr>
-          <p:nvPr>
-            <p:ph sz="quarter" idx="15"/>
-          </p:nvPr>
-        </p:nvSpPr>
-        <p:spPr/>
-        <p:txBody>
-          <a:bodyPr/>
-          <a:lstStyle/>
-          <a:p>
-            <a:r>
-              <a:rPr lang="en-US" dirty="0"/>
-              <a:t>Website here</a:t>
-            </a:r>
-          </a:p>
-        </p:txBody>
-      </p:sp>
+      <p:pic>
+        <p:nvPicPr>
+          <p:cNvPr id="3" name="Picture 2" descr="A screenshot of a computer&#10;&#10;Description automatically generated with medium confidence">
+            <a:extLst>
+              <a:ext uri="{FF2B5EF4-FFF2-40B4-BE49-F238E27FC236}">
+                <a16:creationId xmlns:a16="http://schemas.microsoft.com/office/drawing/2014/main" id="{AE6367F1-A148-4D17-A3C4-02EC6432FB80}"/>
+              </a:ext>
+            </a:extLst>
+          </p:cNvPr>
+          <p:cNvPicPr>
+            <a:picLocks noChangeAspect="1"/>
+          </p:cNvPicPr>
+          <p:nvPr/>
+        </p:nvPicPr>
+        <p:blipFill>
+          <a:blip r:embed="rId3"/>
+          <a:stretch>
+            <a:fillRect/>
+          </a:stretch>
+        </p:blipFill>
+        <p:spPr>
+          <a:xfrm>
+            <a:off x="2600697" y="892677"/>
+            <a:ext cx="9591304" cy="5965324"/>
+          </a:xfrm>
+          <a:prstGeom prst="rect">
+            <a:avLst/>
+          </a:prstGeom>
+        </p:spPr>
+      </p:pic>
     </p:spTree>
     <p:extLst>
       <p:ext uri="{BB962C8B-B14F-4D97-AF65-F5344CB8AC3E}">
@@ -13559,195 +13429,10 @@
           </a:p>
         </p:txBody>
       </p:sp>
-      <p:sp>
-        <p:nvSpPr>
-          <p:cNvPr id="8" name="Subtitle 7">
-            <a:extLst>
-              <a:ext uri="{FF2B5EF4-FFF2-40B4-BE49-F238E27FC236}">
-                <a16:creationId xmlns:a16="http://schemas.microsoft.com/office/drawing/2014/main" id="{9A294210-0A3A-40B7-8019-FDFD9DA7592B}"/>
-              </a:ext>
-            </a:extLst>
-          </p:cNvPr>
-          <p:cNvSpPr>
-            <a:spLocks noGrp="1"/>
-          </p:cNvSpPr>
-          <p:nvPr>
-            <p:ph type="subTitle" idx="1"/>
-          </p:nvPr>
-        </p:nvSpPr>
-        <p:spPr/>
-        <p:txBody>
-          <a:bodyPr/>
-          <a:lstStyle/>
-          <a:p>
-            <a:r>
-              <a:rPr lang="en-US" dirty="0"/>
-              <a:t>Email Address here</a:t>
-            </a:r>
-          </a:p>
-        </p:txBody>
-      </p:sp>
-      <p:sp>
-        <p:nvSpPr>
-          <p:cNvPr id="9" name="Content Placeholder 8">
-            <a:extLst>
-              <a:ext uri="{FF2B5EF4-FFF2-40B4-BE49-F238E27FC236}">
-                <a16:creationId xmlns:a16="http://schemas.microsoft.com/office/drawing/2014/main" id="{6ABAD79F-DC94-4F5D-8A43-C69B1B426660}"/>
-              </a:ext>
-            </a:extLst>
-          </p:cNvPr>
-          <p:cNvSpPr>
-            <a:spLocks noGrp="1"/>
-          </p:cNvSpPr>
-          <p:nvPr>
-            <p:ph sz="quarter" idx="15"/>
-          </p:nvPr>
-        </p:nvSpPr>
-        <p:spPr/>
-        <p:txBody>
-          <a:bodyPr/>
-          <a:lstStyle/>
-          <a:p>
-            <a:r>
-              <a:rPr lang="en-US" dirty="0"/>
-              <a:t>Website here</a:t>
-            </a:r>
-          </a:p>
-        </p:txBody>
-      </p:sp>
     </p:spTree>
     <p:extLst>
       <p:ext uri="{BB962C8B-B14F-4D97-AF65-F5344CB8AC3E}">
         <p14:creationId xmlns:p14="http://schemas.microsoft.com/office/powerpoint/2010/main" val="1888573352"/>
-      </p:ext>
-    </p:extLst>
-  </p:cSld>
-  <p:clrMapOvr>
-    <a:masterClrMapping/>
-  </p:clrMapOvr>
-</p:sld>
-</file>
-
-<file path=ppt/slides/slide12.xml><?xml version="1.0" encoding="utf-8"?>
-<p:sld xmlns:a="http://schemas.openxmlformats.org/drawingml/2006/main" xmlns:r="http://schemas.openxmlformats.org/officeDocument/2006/relationships" xmlns:p="http://schemas.openxmlformats.org/presentationml/2006/main">
-  <p:cSld>
-    <p:spTree>
-      <p:nvGrpSpPr>
-        <p:cNvPr id="1" name=""/>
-        <p:cNvGrpSpPr/>
-        <p:nvPr/>
-      </p:nvGrpSpPr>
-      <p:grpSpPr>
-        <a:xfrm>
-          <a:off x="0" y="0"/>
-          <a:ext cx="0" cy="0"/>
-          <a:chOff x="0" y="0"/>
-          <a:chExt cx="0" cy="0"/>
-        </a:xfrm>
-      </p:grpSpPr>
-      <p:sp>
-        <p:nvSpPr>
-          <p:cNvPr id="4" name="Title 3">
-            <a:extLst>
-              <a:ext uri="{FF2B5EF4-FFF2-40B4-BE49-F238E27FC236}">
-                <a16:creationId xmlns:a16="http://schemas.microsoft.com/office/drawing/2014/main" id="{E98DCA46-603B-4178-8707-30E192CE6B8D}"/>
-              </a:ext>
-            </a:extLst>
-          </p:cNvPr>
-          <p:cNvSpPr>
-            <a:spLocks noGrp="1"/>
-          </p:cNvSpPr>
-          <p:nvPr>
-            <p:ph type="title"/>
-          </p:nvPr>
-        </p:nvSpPr>
-        <p:spPr/>
-        <p:txBody>
-          <a:bodyPr/>
-          <a:lstStyle/>
-          <a:p>
-            <a:r>
-              <a:rPr lang="en-US" dirty="0"/>
-              <a:t>Customize this Template</a:t>
-            </a:r>
-          </a:p>
-        </p:txBody>
-      </p:sp>
-      <p:sp>
-        <p:nvSpPr>
-          <p:cNvPr id="8" name="TextBox 7">
-            <a:hlinkClick r:id="rId3"/>
-            <a:extLst>
-              <a:ext uri="{FF2B5EF4-FFF2-40B4-BE49-F238E27FC236}">
-                <a16:creationId xmlns:a16="http://schemas.microsoft.com/office/drawing/2014/main" id="{5FC6C278-4035-446A-A94B-030E792FDDF5}"/>
-              </a:ext>
-            </a:extLst>
-          </p:cNvPr>
-          <p:cNvSpPr txBox="1"/>
-          <p:nvPr/>
-        </p:nvSpPr>
-        <p:spPr>
-          <a:xfrm>
-            <a:off x="1547813" y="2459504"/>
-            <a:ext cx="9096374" cy="1938992"/>
-          </a:xfrm>
-          <a:prstGeom prst="rect">
-            <a:avLst/>
-          </a:prstGeom>
-          <a:noFill/>
-        </p:spPr>
-        <p:txBody>
-          <a:bodyPr wrap="square" rtlCol="0">
-            <a:spAutoFit/>
-          </a:bodyPr>
-          <a:lstStyle/>
-          <a:p>
-            <a:pPr algn="ctr"/>
-            <a:r>
-              <a:rPr lang="en-US" sz="6000" u="sng" dirty="0">
-                <a:solidFill>
-                  <a:srgbClr val="0070C0"/>
-                </a:solidFill>
-              </a:rPr>
-              <a:t>Template Editing Instructions and Feedback</a:t>
-            </a:r>
-          </a:p>
-        </p:txBody>
-      </p:sp>
-      <p:sp>
-        <p:nvSpPr>
-          <p:cNvPr id="2" name="Slide Number Placeholder 1">
-            <a:extLst>
-              <a:ext uri="{FF2B5EF4-FFF2-40B4-BE49-F238E27FC236}">
-                <a16:creationId xmlns:a16="http://schemas.microsoft.com/office/drawing/2014/main" id="{614914FD-1129-41D2-815F-A7DEDF0D82AC}"/>
-              </a:ext>
-            </a:extLst>
-          </p:cNvPr>
-          <p:cNvSpPr>
-            <a:spLocks noGrp="1"/>
-          </p:cNvSpPr>
-          <p:nvPr>
-            <p:ph type="sldNum" sz="quarter" idx="12"/>
-          </p:nvPr>
-        </p:nvSpPr>
-        <p:spPr/>
-        <p:txBody>
-          <a:bodyPr/>
-          <a:lstStyle/>
-          <a:p>
-            <a:fld id="{48BB047D-A6CD-43AB-96F0-683C726B586B}" type="slidenum">
-              <a:rPr lang="en-US" smtClean="0"/>
-              <a:pPr/>
-              <a:t>12</a:t>
-            </a:fld>
-            <a:endParaRPr lang="en-US" dirty="0"/>
-          </a:p>
-        </p:txBody>
-      </p:sp>
-    </p:spTree>
-    <p:extLst>
-      <p:ext uri="{BB962C8B-B14F-4D97-AF65-F5344CB8AC3E}">
-        <p14:creationId xmlns:p14="http://schemas.microsoft.com/office/powerpoint/2010/main" val="59582380"/>
       </p:ext>
     </p:extLst>
   </p:cSld>
@@ -18661,6 +18346,66 @@
           </a:xfrm>
         </p:spPr>
       </p:pic>
+      <p:pic>
+        <p:nvPicPr>
+          <p:cNvPr id="6" name="Picture 5" descr="Icon&#10;&#10;Description automatically generated">
+            <a:extLst>
+              <a:ext uri="{FF2B5EF4-FFF2-40B4-BE49-F238E27FC236}">
+                <a16:creationId xmlns:a16="http://schemas.microsoft.com/office/drawing/2014/main" id="{3AB9AF37-0D6E-4580-827D-9F40A41AC5A4}"/>
+              </a:ext>
+            </a:extLst>
+          </p:cNvPr>
+          <p:cNvPicPr>
+            <a:picLocks noChangeAspect="1"/>
+          </p:cNvPicPr>
+          <p:nvPr/>
+        </p:nvPicPr>
+        <p:blipFill>
+          <a:blip r:embed="rId8"/>
+          <a:stretch>
+            <a:fillRect/>
+          </a:stretch>
+        </p:blipFill>
+        <p:spPr>
+          <a:xfrm>
+            <a:off x="6090243" y="1676296"/>
+            <a:ext cx="560520" cy="524589"/>
+          </a:xfrm>
+          <a:prstGeom prst="rect">
+            <a:avLst/>
+          </a:prstGeom>
+        </p:spPr>
+      </p:pic>
+      <p:pic>
+        <p:nvPicPr>
+          <p:cNvPr id="8" name="Picture 7" descr="Icon&#10;&#10;Description automatically generated">
+            <a:extLst>
+              <a:ext uri="{FF2B5EF4-FFF2-40B4-BE49-F238E27FC236}">
+                <a16:creationId xmlns:a16="http://schemas.microsoft.com/office/drawing/2014/main" id="{BA40816D-2E29-4199-91B2-B74617E0374D}"/>
+              </a:ext>
+            </a:extLst>
+          </p:cNvPr>
+          <p:cNvPicPr>
+            <a:picLocks noChangeAspect="1"/>
+          </p:cNvPicPr>
+          <p:nvPr/>
+        </p:nvPicPr>
+        <p:blipFill>
+          <a:blip r:embed="rId9"/>
+          <a:stretch>
+            <a:fillRect/>
+          </a:stretch>
+        </p:blipFill>
+        <p:spPr>
+          <a:xfrm>
+            <a:off x="5405279" y="1676296"/>
+            <a:ext cx="699452" cy="524589"/>
+          </a:xfrm>
+          <a:prstGeom prst="rect">
+            <a:avLst/>
+          </a:prstGeom>
+        </p:spPr>
+      </p:pic>
     </p:spTree>
     <p:extLst>
       <p:ext uri="{BB962C8B-B14F-4D97-AF65-F5344CB8AC3E}">
@@ -20641,6 +20386,14 @@
 </file>
 
 <file path=customXml/item2.xml><?xml version="1.0" encoding="utf-8"?>
+<p:properties xmlns:p="http://schemas.microsoft.com/office/2006/metadata/properties" xmlns:xsi="http://www.w3.org/2001/XMLSchema-instance" xmlns:pc="http://schemas.microsoft.com/office/infopath/2007/PartnerControls">
+  <documentManagement>
+    <MediaServiceKeyPoints xmlns="71af3243-3dd4-4a8d-8c0d-dd76da1f02a5" xsi:nil="true"/>
+  </documentManagement>
+</p:properties>
+</file>
+
+<file path=customXml/item3.xml><?xml version="1.0" encoding="utf-8"?>
 <ct:contentTypeSchema xmlns:ct="http://schemas.microsoft.com/office/2006/metadata/contentType" xmlns:ma="http://schemas.microsoft.com/office/2006/metadata/properties/metaAttributes" ct:_="" ma:_="" ma:contentTypeName="Document" ma:contentTypeID="0x01010079F111ED35F8CC479449609E8A0923A6" ma:contentTypeVersion="11" ma:contentTypeDescription="Create a new document." ma:contentTypeScope="" ma:versionID="9677210f24a1be23c92c90fd886aa0aa">
   <xsd:schema xmlns:xsd="http://www.w3.org/2001/XMLSchema" xmlns:xs="http://www.w3.org/2001/XMLSchema" xmlns:p="http://schemas.microsoft.com/office/2006/metadata/properties" xmlns:ns2="71af3243-3dd4-4a8d-8c0d-dd76da1f02a5" xmlns:ns3="16c05727-aa75-4e4a-9b5f-8a80a1165891" targetNamespace="http://schemas.microsoft.com/office/2006/metadata/properties" ma:root="true" ma:fieldsID="60e05723c5c1908df1a1a4ebf11d344e" ns2:_="" ns3:_="">
     <xsd:import namespace="71af3243-3dd4-4a8d-8c0d-dd76da1f02a5"/>
@@ -20851,14 +20604,6 @@
 </ct:contentTypeSchema>
 </file>
 
-<file path=customXml/item3.xml><?xml version="1.0" encoding="utf-8"?>
-<p:properties xmlns:p="http://schemas.microsoft.com/office/2006/metadata/properties" xmlns:xsi="http://www.w3.org/2001/XMLSchema-instance" xmlns:pc="http://schemas.microsoft.com/office/infopath/2007/PartnerControls">
-  <documentManagement>
-    <MediaServiceKeyPoints xmlns="71af3243-3dd4-4a8d-8c0d-dd76da1f02a5" xsi:nil="true"/>
-  </documentManagement>
-</p:properties>
-</file>
-
 <file path=customXml/itemProps1.xml><?xml version="1.0" encoding="utf-8"?>
 <ds:datastoreItem xmlns:ds="http://schemas.openxmlformats.org/officeDocument/2006/customXml" ds:itemID="{0D46D58D-B27D-4B23-AEA1-AE974AB62218}">
   <ds:schemaRefs>
@@ -20868,6 +20613,16 @@
 </file>
 
 <file path=customXml/itemProps2.xml><?xml version="1.0" encoding="utf-8"?>
+<ds:datastoreItem xmlns:ds="http://schemas.openxmlformats.org/officeDocument/2006/customXml" ds:itemID="{330CE401-796E-4493-905E-4DDA5AF62AB4}">
+  <ds:schemaRefs>
+    <ds:schemaRef ds:uri="http://schemas.microsoft.com/office/2006/metadata/properties"/>
+    <ds:schemaRef ds:uri="http://schemas.microsoft.com/office/infopath/2007/PartnerControls"/>
+    <ds:schemaRef ds:uri="71af3243-3dd4-4a8d-8c0d-dd76da1f02a5"/>
+  </ds:schemaRefs>
+</ds:datastoreItem>
+</file>
+
+<file path=customXml/itemProps3.xml><?xml version="1.0" encoding="utf-8"?>
 <ds:datastoreItem xmlns:ds="http://schemas.openxmlformats.org/officeDocument/2006/customXml" ds:itemID="{F2949B46-24C4-420B-AB49-DDC88FEB99BF}">
   <ds:schemaRefs>
     <ds:schemaRef ds:uri="http://schemas.microsoft.com/office/2006/metadata/contentType"/>
@@ -20884,14 +20639,4 @@
     <ds:schemaRef ds:uri="http://schemas.microsoft.com/internal/obd"/>
   </ds:schemaRefs>
 </ds:datastoreItem>
-</file>
-
-<file path=customXml/itemProps3.xml><?xml version="1.0" encoding="utf-8"?>
-<ds:datastoreItem xmlns:ds="http://schemas.openxmlformats.org/officeDocument/2006/customXml" ds:itemID="{330CE401-796E-4493-905E-4DDA5AF62AB4}">
-  <ds:schemaRefs>
-    <ds:schemaRef ds:uri="http://schemas.microsoft.com/office/2006/metadata/properties"/>
-    <ds:schemaRef ds:uri="http://schemas.microsoft.com/office/infopath/2007/PartnerControls"/>
-    <ds:schemaRef ds:uri="71af3243-3dd4-4a8d-8c0d-dd76da1f02a5"/>
-  </ds:schemaRefs>
-</ds:datastoreItem>
 </file>
--- a/BlockchainINSupplyChains.pptx
+++ b/BlockchainINSupplyChains.pptx
@@ -13286,8 +13286,8 @@
         </p:nvSpPr>
         <p:spPr>
           <a:xfrm>
-            <a:off x="0" y="265814"/>
-            <a:ext cx="2698761" cy="851062"/>
+            <a:off x="1300349" y="127590"/>
+            <a:ext cx="6096000" cy="457657"/>
           </a:xfrm>
         </p:spPr>
         <p:txBody>
@@ -13298,14 +13298,7 @@
           <a:p>
             <a:r>
               <a:rPr lang="en-US" sz="1600" dirty="0"/>
-              <a:t>Deploy &amp; Run Transactions</a:t>
-            </a:r>
-            <a:br>
-              <a:rPr lang="en-US" sz="1600" dirty="0"/>
-            </a:br>
-            <a:r>
-              <a:rPr lang="en-US" sz="1600" dirty="0"/>
-              <a:t>		Demo</a:t>
+              <a:t>Deploy &amp; Run Transactions for Supply Chain Contract Demo</a:t>
             </a:r>
           </a:p>
         </p:txBody>
@@ -20386,14 +20379,6 @@
 </file>
 
 <file path=customXml/item2.xml><?xml version="1.0" encoding="utf-8"?>
-<p:properties xmlns:p="http://schemas.microsoft.com/office/2006/metadata/properties" xmlns:xsi="http://www.w3.org/2001/XMLSchema-instance" xmlns:pc="http://schemas.microsoft.com/office/infopath/2007/PartnerControls">
-  <documentManagement>
-    <MediaServiceKeyPoints xmlns="71af3243-3dd4-4a8d-8c0d-dd76da1f02a5" xsi:nil="true"/>
-  </documentManagement>
-</p:properties>
-</file>
-
-<file path=customXml/item3.xml><?xml version="1.0" encoding="utf-8"?>
 <ct:contentTypeSchema xmlns:ct="http://schemas.microsoft.com/office/2006/metadata/contentType" xmlns:ma="http://schemas.microsoft.com/office/2006/metadata/properties/metaAttributes" ct:_="" ma:_="" ma:contentTypeName="Document" ma:contentTypeID="0x01010079F111ED35F8CC479449609E8A0923A6" ma:contentTypeVersion="11" ma:contentTypeDescription="Create a new document." ma:contentTypeScope="" ma:versionID="9677210f24a1be23c92c90fd886aa0aa">
   <xsd:schema xmlns:xsd="http://www.w3.org/2001/XMLSchema" xmlns:xs="http://www.w3.org/2001/XMLSchema" xmlns:p="http://schemas.microsoft.com/office/2006/metadata/properties" xmlns:ns2="71af3243-3dd4-4a8d-8c0d-dd76da1f02a5" xmlns:ns3="16c05727-aa75-4e4a-9b5f-8a80a1165891" targetNamespace="http://schemas.microsoft.com/office/2006/metadata/properties" ma:root="true" ma:fieldsID="60e05723c5c1908df1a1a4ebf11d344e" ns2:_="" ns3:_="">
     <xsd:import namespace="71af3243-3dd4-4a8d-8c0d-dd76da1f02a5"/>
@@ -20604,6 +20589,14 @@
 </ct:contentTypeSchema>
 </file>
 
+<file path=customXml/item3.xml><?xml version="1.0" encoding="utf-8"?>
+<p:properties xmlns:p="http://schemas.microsoft.com/office/2006/metadata/properties" xmlns:xsi="http://www.w3.org/2001/XMLSchema-instance" xmlns:pc="http://schemas.microsoft.com/office/infopath/2007/PartnerControls">
+  <documentManagement>
+    <MediaServiceKeyPoints xmlns="71af3243-3dd4-4a8d-8c0d-dd76da1f02a5" xsi:nil="true"/>
+  </documentManagement>
+</p:properties>
+</file>
+
 <file path=customXml/itemProps1.xml><?xml version="1.0" encoding="utf-8"?>
 <ds:datastoreItem xmlns:ds="http://schemas.openxmlformats.org/officeDocument/2006/customXml" ds:itemID="{0D46D58D-B27D-4B23-AEA1-AE974AB62218}">
   <ds:schemaRefs>
@@ -20613,16 +20606,6 @@
 </file>
 
 <file path=customXml/itemProps2.xml><?xml version="1.0" encoding="utf-8"?>
-<ds:datastoreItem xmlns:ds="http://schemas.openxmlformats.org/officeDocument/2006/customXml" ds:itemID="{330CE401-796E-4493-905E-4DDA5AF62AB4}">
-  <ds:schemaRefs>
-    <ds:schemaRef ds:uri="http://schemas.microsoft.com/office/2006/metadata/properties"/>
-    <ds:schemaRef ds:uri="http://schemas.microsoft.com/office/infopath/2007/PartnerControls"/>
-    <ds:schemaRef ds:uri="71af3243-3dd4-4a8d-8c0d-dd76da1f02a5"/>
-  </ds:schemaRefs>
-</ds:datastoreItem>
-</file>
-
-<file path=customXml/itemProps3.xml><?xml version="1.0" encoding="utf-8"?>
 <ds:datastoreItem xmlns:ds="http://schemas.openxmlformats.org/officeDocument/2006/customXml" ds:itemID="{F2949B46-24C4-420B-AB49-DDC88FEB99BF}">
   <ds:schemaRefs>
     <ds:schemaRef ds:uri="http://schemas.microsoft.com/office/2006/metadata/contentType"/>
@@ -20639,4 +20622,14 @@
     <ds:schemaRef ds:uri="http://schemas.microsoft.com/internal/obd"/>
   </ds:schemaRefs>
 </ds:datastoreItem>
+</file>
+
+<file path=customXml/itemProps3.xml><?xml version="1.0" encoding="utf-8"?>
+<ds:datastoreItem xmlns:ds="http://schemas.openxmlformats.org/officeDocument/2006/customXml" ds:itemID="{330CE401-796E-4493-905E-4DDA5AF62AB4}">
+  <ds:schemaRefs>
+    <ds:schemaRef ds:uri="http://schemas.microsoft.com/office/2006/metadata/properties"/>
+    <ds:schemaRef ds:uri="http://schemas.microsoft.com/office/infopath/2007/PartnerControls"/>
+    <ds:schemaRef ds:uri="71af3243-3dd4-4a8d-8c0d-dd76da1f02a5"/>
+  </ds:schemaRefs>
+</ds:datastoreItem>
 </file>